--- a/lab1/design3.pptx
+++ b/lab1/design3.pptx
@@ -104,7 +104,97 @@
       </a:defRPr>
     </a:lvl9pPr>
   </p:defaultTextStyle>
+  <p:extLst>
+    <p:ext uri="{EFAFB233-063F-42B5-8137-9DF3F51BA10A}">
+      <p15:sldGuideLst xmlns:p15="http://schemas.microsoft.com/office/powerpoint/2012/main"/>
+    </p:ext>
+  </p:extLst>
 </p:presentation>
+</file>
+
+<file path=ppt/changesInfos/changesInfo1.xml><?xml version="1.0" encoding="utf-8"?>
+<pc:chgInfo xmlns:a="http://schemas.openxmlformats.org/drawingml/2006/main" xmlns:r="http://schemas.openxmlformats.org/officeDocument/2006/relationships" xmlns:ac="http://schemas.microsoft.com/office/drawing/2013/main/command" xmlns:pc="http://schemas.microsoft.com/office/powerpoint/2013/main/command">
+  <pc:docChgLst>
+    <pc:chgData name="顾 超" userId="b8518239-edb1-4072-9bf9-f4c469619f23" providerId="ADAL" clId="{4833B90E-2414-A447-BEA9-8065293F9339}"/>
+    <pc:docChg chg="undo custSel modSld">
+      <pc:chgData name="顾 超" userId="b8518239-edb1-4072-9bf9-f4c469619f23" providerId="ADAL" clId="{4833B90E-2414-A447-BEA9-8065293F9339}" dt="2021-04-16T01:47:54.230" v="65" actId="1035"/>
+      <pc:docMkLst>
+        <pc:docMk/>
+      </pc:docMkLst>
+      <pc:sldChg chg="addSp delSp modSp mod">
+        <pc:chgData name="顾 超" userId="b8518239-edb1-4072-9bf9-f4c469619f23" providerId="ADAL" clId="{4833B90E-2414-A447-BEA9-8065293F9339}" dt="2021-04-16T01:47:54.230" v="65" actId="1035"/>
+        <pc:sldMkLst>
+          <pc:docMk/>
+          <pc:sldMk cId="3508606569" sldId="256"/>
+        </pc:sldMkLst>
+        <pc:spChg chg="del">
+          <ac:chgData name="顾 超" userId="b8518239-edb1-4072-9bf9-f4c469619f23" providerId="ADAL" clId="{4833B90E-2414-A447-BEA9-8065293F9339}" dt="2021-04-16T01:44:04.705" v="11" actId="478"/>
+          <ac:spMkLst>
+            <pc:docMk/>
+            <pc:sldMk cId="3508606569" sldId="256"/>
+            <ac:spMk id="14" creationId="{B997BD0F-4B19-AF4C-B419-B3EEA4F4339D}"/>
+          </ac:spMkLst>
+        </pc:spChg>
+        <pc:spChg chg="add mod">
+          <ac:chgData name="顾 超" userId="b8518239-edb1-4072-9bf9-f4c469619f23" providerId="ADAL" clId="{4833B90E-2414-A447-BEA9-8065293F9339}" dt="2021-04-16T01:44:39.661" v="23" actId="1076"/>
+          <ac:spMkLst>
+            <pc:docMk/>
+            <pc:sldMk cId="3508606569" sldId="256"/>
+            <ac:spMk id="53" creationId="{73624461-6A78-E048-9F12-98320A222D2F}"/>
+          </ac:spMkLst>
+        </pc:spChg>
+        <pc:spChg chg="add mod">
+          <ac:chgData name="顾 超" userId="b8518239-edb1-4072-9bf9-f4c469619f23" providerId="ADAL" clId="{4833B90E-2414-A447-BEA9-8065293F9339}" dt="2021-04-16T01:47:51.445" v="58" actId="1035"/>
+          <ac:spMkLst>
+            <pc:docMk/>
+            <pc:sldMk cId="3508606569" sldId="256"/>
+            <ac:spMk id="61" creationId="{6B21E03F-6C1D-9143-9ED5-60678421D1EE}"/>
+          </ac:spMkLst>
+        </pc:spChg>
+        <pc:spChg chg="add mod">
+          <ac:chgData name="顾 超" userId="b8518239-edb1-4072-9bf9-f4c469619f23" providerId="ADAL" clId="{4833B90E-2414-A447-BEA9-8065293F9339}" dt="2021-04-16T01:47:54.230" v="65" actId="1035"/>
+          <ac:spMkLst>
+            <pc:docMk/>
+            <pc:sldMk cId="3508606569" sldId="256"/>
+            <ac:spMk id="63" creationId="{706B917E-B71C-4844-B151-0F3BF21F6F63}"/>
+          </ac:spMkLst>
+        </pc:spChg>
+        <pc:cxnChg chg="mod">
+          <ac:chgData name="顾 超" userId="b8518239-edb1-4072-9bf9-f4c469619f23" providerId="ADAL" clId="{4833B90E-2414-A447-BEA9-8065293F9339}" dt="2021-04-16T01:44:09.079" v="12" actId="14100"/>
+          <ac:cxnSpMkLst>
+            <pc:docMk/>
+            <pc:sldMk cId="3508606569" sldId="256"/>
+            <ac:cxnSpMk id="13" creationId="{5491B717-0E75-DA41-8030-39612E221566}"/>
+          </ac:cxnSpMkLst>
+        </pc:cxnChg>
+        <pc:cxnChg chg="add mod">
+          <ac:chgData name="顾 超" userId="b8518239-edb1-4072-9bf9-f4c469619f23" providerId="ADAL" clId="{4833B90E-2414-A447-BEA9-8065293F9339}" dt="2021-04-16T01:44:47.220" v="25" actId="14100"/>
+          <ac:cxnSpMkLst>
+            <pc:docMk/>
+            <pc:sldMk cId="3508606569" sldId="256"/>
+            <ac:cxnSpMk id="55" creationId="{C53A5305-D62A-7C4D-82D6-DEBC80DDCE64}"/>
+          </ac:cxnSpMkLst>
+        </pc:cxnChg>
+        <pc:cxnChg chg="add mod">
+          <ac:chgData name="顾 超" userId="b8518239-edb1-4072-9bf9-f4c469619f23" providerId="ADAL" clId="{4833B90E-2414-A447-BEA9-8065293F9339}" dt="2021-04-16T01:47:12.455" v="31" actId="692"/>
+          <ac:cxnSpMkLst>
+            <pc:docMk/>
+            <pc:sldMk cId="3508606569" sldId="256"/>
+            <ac:cxnSpMk id="58" creationId="{B9750475-FCEA-304B-8F52-FE024D78CB52}"/>
+          </ac:cxnSpMkLst>
+        </pc:cxnChg>
+        <pc:cxnChg chg="add mod">
+          <ac:chgData name="顾 超" userId="b8518239-edb1-4072-9bf9-f4c469619f23" providerId="ADAL" clId="{4833B90E-2414-A447-BEA9-8065293F9339}" dt="2021-04-16T01:47:33.223" v="41" actId="1076"/>
+          <ac:cxnSpMkLst>
+            <pc:docMk/>
+            <pc:sldMk cId="3508606569" sldId="256"/>
+            <ac:cxnSpMk id="62" creationId="{C32D22CA-67DE-414F-958B-64A2642EA786}"/>
+          </ac:cxnSpMkLst>
+        </pc:cxnChg>
+      </pc:sldChg>
+    </pc:docChg>
+  </pc:docChgLst>
+</pc:chgInfo>
 </file>
 
 <file path=ppt/slideLayouts/slideLayout1.xml><?xml version="1.0" encoding="utf-8"?>
@@ -254,7 +344,7 @@
           <a:p>
             <a:fld id="{E2CA5DE8-1723-2544-AA4D-ED0C20DF02FC}" type="datetimeFigureOut">
               <a:rPr kumimoji="1" lang="zh-CN" altLang="en-US" smtClean="0"/>
-              <a:t>2021/4/2</a:t>
+              <a:t>2021/4/16</a:t>
             </a:fld>
             <a:endParaRPr kumimoji="1" lang="zh-CN" altLang="en-US"/>
           </a:p>
@@ -452,7 +542,7 @@
           <a:p>
             <a:fld id="{E2CA5DE8-1723-2544-AA4D-ED0C20DF02FC}" type="datetimeFigureOut">
               <a:rPr kumimoji="1" lang="zh-CN" altLang="en-US" smtClean="0"/>
-              <a:t>2021/4/2</a:t>
+              <a:t>2021/4/16</a:t>
             </a:fld>
             <a:endParaRPr kumimoji="1" lang="zh-CN" altLang="en-US"/>
           </a:p>
@@ -660,7 +750,7 @@
           <a:p>
             <a:fld id="{E2CA5DE8-1723-2544-AA4D-ED0C20DF02FC}" type="datetimeFigureOut">
               <a:rPr kumimoji="1" lang="zh-CN" altLang="en-US" smtClean="0"/>
-              <a:t>2021/4/2</a:t>
+              <a:t>2021/4/16</a:t>
             </a:fld>
             <a:endParaRPr kumimoji="1" lang="zh-CN" altLang="en-US"/>
           </a:p>
@@ -858,7 +948,7 @@
           <a:p>
             <a:fld id="{E2CA5DE8-1723-2544-AA4D-ED0C20DF02FC}" type="datetimeFigureOut">
               <a:rPr kumimoji="1" lang="zh-CN" altLang="en-US" smtClean="0"/>
-              <a:t>2021/4/2</a:t>
+              <a:t>2021/4/16</a:t>
             </a:fld>
             <a:endParaRPr kumimoji="1" lang="zh-CN" altLang="en-US"/>
           </a:p>
@@ -1133,7 +1223,7 @@
           <a:p>
             <a:fld id="{E2CA5DE8-1723-2544-AA4D-ED0C20DF02FC}" type="datetimeFigureOut">
               <a:rPr kumimoji="1" lang="zh-CN" altLang="en-US" smtClean="0"/>
-              <a:t>2021/4/2</a:t>
+              <a:t>2021/4/16</a:t>
             </a:fld>
             <a:endParaRPr kumimoji="1" lang="zh-CN" altLang="en-US"/>
           </a:p>
@@ -1398,7 +1488,7 @@
           <a:p>
             <a:fld id="{E2CA5DE8-1723-2544-AA4D-ED0C20DF02FC}" type="datetimeFigureOut">
               <a:rPr kumimoji="1" lang="zh-CN" altLang="en-US" smtClean="0"/>
-              <a:t>2021/4/2</a:t>
+              <a:t>2021/4/16</a:t>
             </a:fld>
             <a:endParaRPr kumimoji="1" lang="zh-CN" altLang="en-US"/>
           </a:p>
@@ -1810,7 +1900,7 @@
           <a:p>
             <a:fld id="{E2CA5DE8-1723-2544-AA4D-ED0C20DF02FC}" type="datetimeFigureOut">
               <a:rPr kumimoji="1" lang="zh-CN" altLang="en-US" smtClean="0"/>
-              <a:t>2021/4/2</a:t>
+              <a:t>2021/4/16</a:t>
             </a:fld>
             <a:endParaRPr kumimoji="1" lang="zh-CN" altLang="en-US"/>
           </a:p>
@@ -1951,7 +2041,7 @@
           <a:p>
             <a:fld id="{E2CA5DE8-1723-2544-AA4D-ED0C20DF02FC}" type="datetimeFigureOut">
               <a:rPr kumimoji="1" lang="zh-CN" altLang="en-US" smtClean="0"/>
-              <a:t>2021/4/2</a:t>
+              <a:t>2021/4/16</a:t>
             </a:fld>
             <a:endParaRPr kumimoji="1" lang="zh-CN" altLang="en-US"/>
           </a:p>
@@ -2064,7 +2154,7 @@
           <a:p>
             <a:fld id="{E2CA5DE8-1723-2544-AA4D-ED0C20DF02FC}" type="datetimeFigureOut">
               <a:rPr kumimoji="1" lang="zh-CN" altLang="en-US" smtClean="0"/>
-              <a:t>2021/4/2</a:t>
+              <a:t>2021/4/16</a:t>
             </a:fld>
             <a:endParaRPr kumimoji="1" lang="zh-CN" altLang="en-US"/>
           </a:p>
@@ -2375,7 +2465,7 @@
           <a:p>
             <a:fld id="{E2CA5DE8-1723-2544-AA4D-ED0C20DF02FC}" type="datetimeFigureOut">
               <a:rPr kumimoji="1" lang="zh-CN" altLang="en-US" smtClean="0"/>
-              <a:t>2021/4/2</a:t>
+              <a:t>2021/4/16</a:t>
             </a:fld>
             <a:endParaRPr kumimoji="1" lang="zh-CN" altLang="en-US"/>
           </a:p>
@@ -2663,7 +2753,7 @@
           <a:p>
             <a:fld id="{E2CA5DE8-1723-2544-AA4D-ED0C20DF02FC}" type="datetimeFigureOut">
               <a:rPr kumimoji="1" lang="zh-CN" altLang="en-US" smtClean="0"/>
-              <a:t>2021/4/2</a:t>
+              <a:t>2021/4/16</a:t>
             </a:fld>
             <a:endParaRPr kumimoji="1" lang="zh-CN" altLang="en-US"/>
           </a:p>
@@ -2904,7 +2994,7 @@
           <a:p>
             <a:fld id="{E2CA5DE8-1723-2544-AA4D-ED0C20DF02FC}" type="datetimeFigureOut">
               <a:rPr kumimoji="1" lang="zh-CN" altLang="en-US" smtClean="0"/>
-              <a:t>2021/4/2</a:t>
+              <a:t>2021/4/16</a:t>
             </a:fld>
             <a:endParaRPr kumimoji="1" lang="zh-CN" altLang="en-US"/>
           </a:p>
@@ -3602,13 +3692,15 @@
               </a:ext>
             </a:extLst>
           </p:cNvPr>
-          <p:cNvCxnSpPr/>
+          <p:cNvCxnSpPr>
+            <a:cxnSpLocks/>
+          </p:cNvCxnSpPr>
           <p:nvPr/>
         </p:nvCxnSpPr>
         <p:spPr>
           <a:xfrm>
             <a:off x="4613096" y="5553559"/>
-            <a:ext cx="976626" cy="0"/>
+            <a:ext cx="192267" cy="2874"/>
           </a:xfrm>
           <a:prstGeom prst="straightConnector1">
             <a:avLst/>
@@ -3635,42 +3727,6 @@
           </a:fontRef>
         </p:style>
       </p:cxnSp>
-      <p:sp>
-        <p:nvSpPr>
-          <p:cNvPr id="14" name="文本框 13">
-            <a:extLst>
-              <a:ext uri="{FF2B5EF4-FFF2-40B4-BE49-F238E27FC236}">
-                <a16:creationId xmlns:a16="http://schemas.microsoft.com/office/drawing/2014/main" id="{B997BD0F-4B19-AF4C-B419-B3EEA4F4339D}"/>
-              </a:ext>
-            </a:extLst>
-          </p:cNvPr>
-          <p:cNvSpPr txBox="1"/>
-          <p:nvPr/>
-        </p:nvSpPr>
-        <p:spPr>
-          <a:xfrm>
-            <a:off x="4781110" y="5391090"/>
-            <a:ext cx="640597" cy="200055"/>
-          </a:xfrm>
-          <a:prstGeom prst="rect">
-            <a:avLst/>
-          </a:prstGeom>
-          <a:noFill/>
-        </p:spPr>
-        <p:txBody>
-          <a:bodyPr wrap="square" rtlCol="0">
-            <a:spAutoFit/>
-          </a:bodyPr>
-          <a:lstStyle/>
-          <a:p>
-            <a:r>
-              <a:rPr kumimoji="1" lang="en-US" altLang="zh-CN" sz="700" dirty="0" err="1"/>
-              <a:t>CRegOutD</a:t>
-            </a:r>
-            <a:endParaRPr kumimoji="1" lang="zh-CN" altLang="en-US" sz="700" dirty="0"/>
-          </a:p>
-        </p:txBody>
-      </p:sp>
       <p:cxnSp>
         <p:nvCxnSpPr>
           <p:cNvPr id="23" name="直线连接符 22">
@@ -5358,6 +5414,260 @@
             <a:r>
               <a:rPr kumimoji="1" lang="en-US" altLang="zh-CN" sz="700" dirty="0" err="1"/>
               <a:t>CSRegWriteW</a:t>
+            </a:r>
+            <a:endParaRPr kumimoji="1" lang="zh-CN" altLang="en-US" sz="700" dirty="0"/>
+          </a:p>
+        </p:txBody>
+      </p:sp>
+      <p:sp>
+        <p:nvSpPr>
+          <p:cNvPr id="53" name="矩形 4">
+            <a:extLst>
+              <a:ext uri="{FF2B5EF4-FFF2-40B4-BE49-F238E27FC236}">
+                <a16:creationId xmlns:a16="http://schemas.microsoft.com/office/drawing/2014/main" id="{73624461-6A78-E048-9F12-98320A222D2F}"/>
+              </a:ext>
+            </a:extLst>
+          </p:cNvPr>
+          <p:cNvSpPr/>
+          <p:nvPr/>
+        </p:nvSpPr>
+        <p:spPr>
+          <a:xfrm>
+            <a:off x="4811682" y="5259823"/>
+            <a:ext cx="570951" cy="667300"/>
+          </a:xfrm>
+          <a:prstGeom prst="rect">
+            <a:avLst/>
+          </a:prstGeom>
+        </p:spPr>
+        <p:style>
+          <a:lnRef idx="2">
+            <a:schemeClr val="accent1">
+              <a:shade val="50000"/>
+            </a:schemeClr>
+          </a:lnRef>
+          <a:fillRef idx="1">
+            <a:schemeClr val="accent1"/>
+          </a:fillRef>
+          <a:effectRef idx="0">
+            <a:schemeClr val="accent1"/>
+          </a:effectRef>
+          <a:fontRef idx="minor">
+            <a:schemeClr val="lt1"/>
+          </a:fontRef>
+        </p:style>
+        <p:txBody>
+          <a:bodyPr rtlCol="0" anchor="ctr"/>
+          <a:lstStyle/>
+          <a:p>
+            <a:pPr algn="ctr"/>
+            <a:r>
+              <a:rPr kumimoji="1" lang="en-US" altLang="zh-CN" sz="1050" dirty="0"/>
+              <a:t>Extend</a:t>
+            </a:r>
+            <a:endParaRPr kumimoji="1" lang="zh-CN" altLang="en-US" sz="1050" dirty="0"/>
+          </a:p>
+        </p:txBody>
+      </p:sp>
+      <p:cxnSp>
+        <p:nvCxnSpPr>
+          <p:cNvPr id="55" name="直线箭头连接符 12">
+            <a:extLst>
+              <a:ext uri="{FF2B5EF4-FFF2-40B4-BE49-F238E27FC236}">
+                <a16:creationId xmlns:a16="http://schemas.microsoft.com/office/drawing/2014/main" id="{C53A5305-D62A-7C4D-82D6-DEBC80DDCE64}"/>
+              </a:ext>
+            </a:extLst>
+          </p:cNvPr>
+          <p:cNvCxnSpPr>
+            <a:cxnSpLocks/>
+          </p:cNvCxnSpPr>
+          <p:nvPr/>
+        </p:nvCxnSpPr>
+        <p:spPr>
+          <a:xfrm>
+            <a:off x="5344397" y="5559706"/>
+            <a:ext cx="245324" cy="0"/>
+          </a:xfrm>
+          <a:prstGeom prst="straightConnector1">
+            <a:avLst/>
+          </a:prstGeom>
+          <a:ln w="9525">
+            <a:solidFill>
+              <a:schemeClr val="accent1"/>
+            </a:solidFill>
+            <a:tailEnd type="triangle"/>
+          </a:ln>
+        </p:spPr>
+        <p:style>
+          <a:lnRef idx="1">
+            <a:schemeClr val="accent1"/>
+          </a:lnRef>
+          <a:fillRef idx="0">
+            <a:schemeClr val="accent1"/>
+          </a:fillRef>
+          <a:effectRef idx="0">
+            <a:schemeClr val="accent1"/>
+          </a:effectRef>
+          <a:fontRef idx="minor">
+            <a:schemeClr val="tx1"/>
+          </a:fontRef>
+        </p:style>
+      </p:cxnSp>
+      <p:cxnSp>
+        <p:nvCxnSpPr>
+          <p:cNvPr id="58" name="直线箭头连接符 8">
+            <a:extLst>
+              <a:ext uri="{FF2B5EF4-FFF2-40B4-BE49-F238E27FC236}">
+                <a16:creationId xmlns:a16="http://schemas.microsoft.com/office/drawing/2014/main" id="{B9750475-FCEA-304B-8F52-FE024D78CB52}"/>
+              </a:ext>
+            </a:extLst>
+          </p:cNvPr>
+          <p:cNvCxnSpPr>
+            <a:cxnSpLocks/>
+          </p:cNvCxnSpPr>
+          <p:nvPr/>
+        </p:nvCxnSpPr>
+        <p:spPr>
+          <a:xfrm flipH="1">
+            <a:off x="4613098" y="6120582"/>
+            <a:ext cx="263704" cy="0"/>
+          </a:xfrm>
+          <a:prstGeom prst="straightConnector1">
+            <a:avLst/>
+          </a:prstGeom>
+          <a:ln w="9525">
+            <a:solidFill>
+              <a:srgbClr val="FF0000"/>
+            </a:solidFill>
+            <a:tailEnd type="triangle"/>
+          </a:ln>
+        </p:spPr>
+        <p:style>
+          <a:lnRef idx="1">
+            <a:schemeClr val="accent1"/>
+          </a:lnRef>
+          <a:fillRef idx="0">
+            <a:schemeClr val="accent1"/>
+          </a:fillRef>
+          <a:effectRef idx="0">
+            <a:schemeClr val="accent1"/>
+          </a:effectRef>
+          <a:fontRef idx="minor">
+            <a:schemeClr val="tx1"/>
+          </a:fontRef>
+        </p:style>
+      </p:cxnSp>
+      <p:sp>
+        <p:nvSpPr>
+          <p:cNvPr id="61" name="文本框 31">
+            <a:extLst>
+              <a:ext uri="{FF2B5EF4-FFF2-40B4-BE49-F238E27FC236}">
+                <a16:creationId xmlns:a16="http://schemas.microsoft.com/office/drawing/2014/main" id="{6B21E03F-6C1D-9143-9ED5-60678421D1EE}"/>
+              </a:ext>
+            </a:extLst>
+          </p:cNvPr>
+          <p:cNvSpPr txBox="1"/>
+          <p:nvPr/>
+        </p:nvSpPr>
+        <p:spPr>
+          <a:xfrm>
+            <a:off x="4819513" y="6002257"/>
+            <a:ext cx="640597" cy="200055"/>
+          </a:xfrm>
+          <a:prstGeom prst="rect">
+            <a:avLst/>
+          </a:prstGeom>
+          <a:noFill/>
+        </p:spPr>
+        <p:txBody>
+          <a:bodyPr wrap="square" rtlCol="0">
+            <a:spAutoFit/>
+          </a:bodyPr>
+          <a:lstStyle/>
+          <a:p>
+            <a:r>
+              <a:rPr kumimoji="1" lang="en-US" altLang="zh-CN" sz="700" dirty="0" err="1"/>
+              <a:t>CSRRead</a:t>
+            </a:r>
+            <a:endParaRPr kumimoji="1" lang="zh-CN" altLang="en-US" sz="700" dirty="0"/>
+          </a:p>
+        </p:txBody>
+      </p:sp>
+      <p:cxnSp>
+        <p:nvCxnSpPr>
+          <p:cNvPr id="62" name="直线箭头连接符 8">
+            <a:extLst>
+              <a:ext uri="{FF2B5EF4-FFF2-40B4-BE49-F238E27FC236}">
+                <a16:creationId xmlns:a16="http://schemas.microsoft.com/office/drawing/2014/main" id="{C32D22CA-67DE-414F-958B-64A2642EA786}"/>
+              </a:ext>
+            </a:extLst>
+          </p:cNvPr>
+          <p:cNvCxnSpPr>
+            <a:cxnSpLocks/>
+          </p:cNvCxnSpPr>
+          <p:nvPr/>
+        </p:nvCxnSpPr>
+        <p:spPr>
+          <a:xfrm flipH="1">
+            <a:off x="4612214" y="6236421"/>
+            <a:ext cx="263704" cy="0"/>
+          </a:xfrm>
+          <a:prstGeom prst="straightConnector1">
+            <a:avLst/>
+          </a:prstGeom>
+          <a:ln w="9525">
+            <a:solidFill>
+              <a:srgbClr val="FF0000"/>
+            </a:solidFill>
+            <a:tailEnd type="triangle"/>
+          </a:ln>
+        </p:spPr>
+        <p:style>
+          <a:lnRef idx="1">
+            <a:schemeClr val="accent1"/>
+          </a:lnRef>
+          <a:fillRef idx="0">
+            <a:schemeClr val="accent1"/>
+          </a:fillRef>
+          <a:effectRef idx="0">
+            <a:schemeClr val="accent1"/>
+          </a:effectRef>
+          <a:fontRef idx="minor">
+            <a:schemeClr val="tx1"/>
+          </a:fontRef>
+        </p:style>
+      </p:cxnSp>
+      <p:sp>
+        <p:nvSpPr>
+          <p:cNvPr id="63" name="文本框 31">
+            <a:extLst>
+              <a:ext uri="{FF2B5EF4-FFF2-40B4-BE49-F238E27FC236}">
+                <a16:creationId xmlns:a16="http://schemas.microsoft.com/office/drawing/2014/main" id="{706B917E-B71C-4844-B151-0F3BF21F6F63}"/>
+              </a:ext>
+            </a:extLst>
+          </p:cNvPr>
+          <p:cNvSpPr txBox="1"/>
+          <p:nvPr/>
+        </p:nvSpPr>
+        <p:spPr>
+          <a:xfrm>
+            <a:off x="4819513" y="6137999"/>
+            <a:ext cx="640597" cy="200055"/>
+          </a:xfrm>
+          <a:prstGeom prst="rect">
+            <a:avLst/>
+          </a:prstGeom>
+          <a:noFill/>
+        </p:spPr>
+        <p:txBody>
+          <a:bodyPr wrap="square" rtlCol="0">
+            <a:spAutoFit/>
+          </a:bodyPr>
+          <a:lstStyle/>
+          <a:p>
+            <a:r>
+              <a:rPr kumimoji="1" lang="en-US" altLang="zh-CN" sz="700" dirty="0" err="1"/>
+              <a:t>CSRWrite</a:t>
             </a:r>
             <a:endParaRPr kumimoji="1" lang="zh-CN" altLang="en-US" sz="700" dirty="0"/>
           </a:p>
